--- a/nhom_09_ltu15.pptx
+++ b/nhom_09_ltu15.pptx
@@ -4523,7 +4523,6 @@
           <a:bodyPr/>
           <a:lstStyle/>
           <a:p>
-            <a:pPr algn="l"/>
             <a:r>
               <a:rPr lang="en-US" dirty="0" err="1" smtClean="0">
                 <a:latin typeface="Arial" panose="020B0604020202020204" pitchFamily="34" charset="0"/>
@@ -4578,7 +4577,14 @@
                 <a:latin typeface="Arial" panose="020B0604020202020204" pitchFamily="34" charset="0"/>
                 <a:cs typeface="Arial" panose="020B0604020202020204" pitchFamily="34" charset="0"/>
               </a:rPr>
-              <a:t> -</a:t>
+              <a:t> - </a:t>
+            </a:r>
+            <a:r>
+              <a:rPr lang="en-US" dirty="0">
+                <a:latin typeface="Arial" panose="020B0604020202020204" pitchFamily="34" charset="0"/>
+                <a:cs typeface="Arial" panose="020B0604020202020204" pitchFamily="34" charset="0"/>
+              </a:rPr>
+              <a:t>20168214</a:t>
             </a:r>
             <a:endParaRPr lang="en-US" dirty="0" smtClean="0">
               <a:latin typeface="Arial" panose="020B0604020202020204" pitchFamily="34" charset="0"/>
@@ -4643,6 +4649,13 @@
               </a:rPr>
               <a:t> - </a:t>
             </a:r>
+            <a:r>
+              <a:rPr lang="en-US" dirty="0">
+                <a:latin typeface="Arial" panose="020B0604020202020204" pitchFamily="34" charset="0"/>
+                <a:cs typeface="Arial" panose="020B0604020202020204" pitchFamily="34" charset="0"/>
+              </a:rPr>
+              <a:t>20168774</a:t>
+            </a:r>
             <a:endParaRPr lang="en-US" dirty="0" smtClean="0">
               <a:latin typeface="Arial" panose="020B0604020202020204" pitchFamily="34" charset="0"/>
               <a:cs typeface="Arial" panose="020B0604020202020204" pitchFamily="34" charset="0"/>
@@ -4699,10 +4712,6 @@
               </a:rPr>
               <a:t> - 20168781</a:t>
             </a:r>
-            <a:endParaRPr lang="en-US" dirty="0" smtClean="0">
-              <a:latin typeface="Arial" panose="020B0604020202020204" pitchFamily="34" charset="0"/>
-              <a:cs typeface="Arial" panose="020B0604020202020204" pitchFamily="34" charset="0"/>
-            </a:endParaRPr>
           </a:p>
           <a:p>
             <a:pPr algn="just"/>
@@ -4755,10 +4764,13 @@
               </a:rPr>
               <a:t> - </a:t>
             </a:r>
-            <a:endParaRPr lang="en-US" dirty="0">
-              <a:latin typeface="Arial" panose="020B0604020202020204" pitchFamily="34" charset="0"/>
-              <a:cs typeface="Arial" panose="020B0604020202020204" pitchFamily="34" charset="0"/>
-            </a:endParaRPr>
+            <a:r>
+              <a:rPr lang="en-US" dirty="0">
+                <a:latin typeface="Arial" panose="020B0604020202020204" pitchFamily="34" charset="0"/>
+                <a:cs typeface="Arial" panose="020B0604020202020204" pitchFamily="34" charset="0"/>
+              </a:rPr>
+              <a:t>20168713</a:t>
+            </a:r>
           </a:p>
         </p:txBody>
       </p:sp>
